--- a/Project 1 UNC AI Bootcamp.pptx
+++ b/Project 1 UNC AI Bootcamp.pptx
@@ -15,18 +15,18 @@
     <p:sldId id="266" r:id="rId3"/>
     <p:sldId id="272" r:id="rId4"/>
     <p:sldId id="270" r:id="rId5"/>
-    <p:sldId id="269" r:id="rId6"/>
-    <p:sldId id="268" r:id="rId7"/>
-    <p:sldId id="267" r:id="rId8"/>
-    <p:sldId id="271" r:id="rId9"/>
-    <p:sldId id="274" r:id="rId10"/>
-    <p:sldId id="273" r:id="rId11"/>
-    <p:sldId id="275" r:id="rId12"/>
-    <p:sldId id="276" r:id="rId13"/>
-    <p:sldId id="277" r:id="rId14"/>
-    <p:sldId id="279" r:id="rId15"/>
-    <p:sldId id="259" r:id="rId16"/>
-    <p:sldId id="260" r:id="rId17"/>
+    <p:sldId id="283" r:id="rId6"/>
+    <p:sldId id="269" r:id="rId7"/>
+    <p:sldId id="268" r:id="rId8"/>
+    <p:sldId id="267" r:id="rId9"/>
+    <p:sldId id="271" r:id="rId10"/>
+    <p:sldId id="274" r:id="rId11"/>
+    <p:sldId id="273" r:id="rId12"/>
+    <p:sldId id="275" r:id="rId13"/>
+    <p:sldId id="276" r:id="rId14"/>
+    <p:sldId id="277" r:id="rId15"/>
+    <p:sldId id="279" r:id="rId16"/>
+    <p:sldId id="259" r:id="rId17"/>
     <p:sldId id="281" r:id="rId18"/>
     <p:sldId id="280" r:id="rId19"/>
     <p:sldId id="282" r:id="rId20"/>
@@ -3842,6 +3842,89 @@
       </p:grpSpPr>
       <p:sp>
         <p:nvSpPr>
+          <p:cNvPr id="4" name="Title 3">
+            <a:extLst>
+              <a:ext uri="{FF2B5EF4-FFF2-40B4-BE49-F238E27FC236}">
+                <a16:creationId xmlns:a16="http://schemas.microsoft.com/office/drawing/2014/main" id="{EB2E5B1C-2DF5-4EC3-467F-D31FD3A652F6}"/>
+              </a:ext>
+            </a:extLst>
+          </p:cNvPr>
+          <p:cNvSpPr>
+            <a:spLocks noGrp="1"/>
+          </p:cNvSpPr>
+          <p:nvPr>
+            <p:ph type="title"/>
+          </p:nvPr>
+        </p:nvSpPr>
+        <p:spPr/>
+        <p:txBody>
+          <a:bodyPr/>
+          <a:lstStyle/>
+          <a:p>
+            <a:r>
+              <a:rPr lang="en-US" dirty="0"/>
+              <a:t>Analyzing Correlation Patterns</a:t>
+            </a:r>
+          </a:p>
+        </p:txBody>
+      </p:sp>
+      <p:sp>
+        <p:nvSpPr>
+          <p:cNvPr id="5" name="Text Placeholder 4">
+            <a:extLst>
+              <a:ext uri="{FF2B5EF4-FFF2-40B4-BE49-F238E27FC236}">
+                <a16:creationId xmlns:a16="http://schemas.microsoft.com/office/drawing/2014/main" id="{D067CEF6-5529-EFCD-0B54-EB0D4D647FEF}"/>
+              </a:ext>
+            </a:extLst>
+          </p:cNvPr>
+          <p:cNvSpPr>
+            <a:spLocks noGrp="1"/>
+          </p:cNvSpPr>
+          <p:nvPr>
+            <p:ph type="body" idx="1"/>
+          </p:nvPr>
+        </p:nvSpPr>
+        <p:spPr/>
+        <p:txBody>
+          <a:bodyPr/>
+          <a:lstStyle/>
+          <a:p>
+            <a:endParaRPr lang="en-US"/>
+          </a:p>
+        </p:txBody>
+      </p:sp>
+    </p:spTree>
+    <p:extLst>
+      <p:ext uri="{BB962C8B-B14F-4D97-AF65-F5344CB8AC3E}">
+        <p14:creationId xmlns:p14="http://schemas.microsoft.com/office/powerpoint/2010/main" val="650814972"/>
+      </p:ext>
+    </p:extLst>
+  </p:cSld>
+  <p:clrMapOvr>
+    <a:masterClrMapping/>
+  </p:clrMapOvr>
+</p:sld>
+</file>
+
+<file path=ppt/slides/slide11.xml><?xml version="1.0" encoding="utf-8"?>
+<p:sld xmlns:a="http://schemas.openxmlformats.org/drawingml/2006/main" xmlns:r="http://schemas.openxmlformats.org/officeDocument/2006/relationships" xmlns:p="http://schemas.openxmlformats.org/presentationml/2006/main">
+  <p:cSld>
+    <p:spTree>
+      <p:nvGrpSpPr>
+        <p:cNvPr id="1" name=""/>
+        <p:cNvGrpSpPr/>
+        <p:nvPr/>
+      </p:nvGrpSpPr>
+      <p:grpSpPr>
+        <a:xfrm>
+          <a:off x="0" y="0"/>
+          <a:ext cx="0" cy="0"/>
+          <a:chOff x="0" y="0"/>
+          <a:chExt cx="0" cy="0"/>
+        </a:xfrm>
+      </p:grpSpPr>
+      <p:sp>
+        <p:nvSpPr>
           <p:cNvPr id="2" name="Title 1">
             <a:extLst>
               <a:ext uri="{FF2B5EF4-FFF2-40B4-BE49-F238E27FC236}">
@@ -3917,27 +4000,28 @@
       </p:sp>
       <p:pic>
         <p:nvPicPr>
-          <p:cNvPr id="4" name="image13.png">
+          <p:cNvPr id="5" name="Picture 4">
             <a:extLst>
               <a:ext uri="{FF2B5EF4-FFF2-40B4-BE49-F238E27FC236}">
-                <a16:creationId xmlns:a16="http://schemas.microsoft.com/office/drawing/2014/main" id="{7FB19016-0A6E-9F07-0E7F-172AC65B7231}"/>
+                <a16:creationId xmlns:a16="http://schemas.microsoft.com/office/drawing/2014/main" id="{09E91AFA-60A3-09E7-3425-2AAAAD64F11D}"/>
               </a:ext>
             </a:extLst>
           </p:cNvPr>
-          <p:cNvPicPr/>
+          <p:cNvPicPr>
+            <a:picLocks noChangeAspect="1"/>
+          </p:cNvPicPr>
           <p:nvPr/>
         </p:nvPicPr>
         <p:blipFill>
           <a:blip r:embed="rId2"/>
-          <a:srcRect/>
           <a:stretch>
             <a:fillRect/>
           </a:stretch>
         </p:blipFill>
         <p:spPr>
           <a:xfrm>
-            <a:off x="1143000" y="2590800"/>
-            <a:ext cx="9601200" cy="2209800"/>
+            <a:off x="1570182" y="2362200"/>
+            <a:ext cx="9051636" cy="3267075"/>
           </a:xfrm>
           <a:prstGeom prst="rect">
             <a:avLst/>
@@ -3987,7 +4071,7 @@
 </p:sld>
 </file>
 
-<file path=ppt/slides/slide11.xml><?xml version="1.0" encoding="utf-8"?>
+<file path=ppt/slides/slide12.xml><?xml version="1.0" encoding="utf-8"?>
 <p:sld xmlns:a="http://schemas.openxmlformats.org/drawingml/2006/main" xmlns:r="http://schemas.openxmlformats.org/officeDocument/2006/relationships" xmlns:p="http://schemas.openxmlformats.org/presentationml/2006/main">
   <p:cSld>
     <p:spTree>
@@ -4028,7 +4112,7 @@
         </p:spPr>
         <p:txBody>
           <a:bodyPr>
-            <a:normAutofit/>
+            <a:normAutofit lnSpcReduction="10000"/>
           </a:bodyPr>
           <a:lstStyle/>
           <a:p>
@@ -4048,7 +4132,20 @@
             <a:pPr lvl="1"/>
             <a:r>
               <a:rPr lang="en-US" sz="2000" dirty="0"/>
-              <a:t>This suggests that while trust in the employer might seem a minor aspect of mental health at work, it significantly impacts various related factors. The "leave" column showed positive correlations with trust factors and negative correlations with distrust factors.</a:t>
+              <a:t>This suggests that while trust in the employer might seem a minor aspect of mental health at work, it significantly impacts various related factors. The "leave“* column showed positive correlations with trust factors and negative correlations with distrust factors.</a:t>
+            </a:r>
+          </a:p>
+          <a:p>
+            <a:pPr lvl="1"/>
+            <a:endParaRPr lang="en-US" sz="2000" dirty="0"/>
+          </a:p>
+          <a:p>
+            <a:pPr marL="365760" lvl="1" indent="0">
+              <a:buNone/>
+            </a:pPr>
+            <a:r>
+              <a:rPr lang="en-US" sz="2000" dirty="0"/>
+              <a:t>* “leave” indicates how easy it is to take vacation</a:t>
             </a:r>
           </a:p>
           <a:p>
@@ -4099,7 +4196,7 @@
 </p:sld>
 </file>
 
-<file path=ppt/slides/slide12.xml><?xml version="1.0" encoding="utf-8"?>
+<file path=ppt/slides/slide13.xml><?xml version="1.0" encoding="utf-8"?>
 <p:sld xmlns:a="http://schemas.openxmlformats.org/drawingml/2006/main" xmlns:r="http://schemas.openxmlformats.org/officeDocument/2006/relationships" xmlns:p="http://schemas.openxmlformats.org/presentationml/2006/main">
   <p:cSld>
     <p:spTree>
@@ -4181,7 +4278,7 @@
             <a:pPr lvl="1"/>
             <a:r>
               <a:rPr lang="en-US" dirty="0"/>
-              <a:t>Calculate mean of each survey question yielding a “good score” and “bad score”</a:t>
+              <a:t>Calculate mean of each survey participant yielding a “good score” and “bad score”</a:t>
             </a:r>
           </a:p>
           <a:p>
@@ -4195,27 +4292,28 @@
       </p:sp>
       <p:pic>
         <p:nvPicPr>
-          <p:cNvPr id="4" name="image6.png">
+          <p:cNvPr id="5" name="Picture 4">
             <a:extLst>
               <a:ext uri="{FF2B5EF4-FFF2-40B4-BE49-F238E27FC236}">
-                <a16:creationId xmlns:a16="http://schemas.microsoft.com/office/drawing/2014/main" id="{5120383C-25E7-485E-34F7-D0B9E0FF4EBF}"/>
+                <a16:creationId xmlns:a16="http://schemas.microsoft.com/office/drawing/2014/main" id="{47E699E5-3D2F-09E2-AE9E-53F5B2EA35E3}"/>
               </a:ext>
             </a:extLst>
           </p:cNvPr>
-          <p:cNvPicPr/>
+          <p:cNvPicPr>
+            <a:picLocks noChangeAspect="1"/>
+          </p:cNvPicPr>
           <p:nvPr/>
         </p:nvPicPr>
         <p:blipFill>
           <a:blip r:embed="rId2"/>
-          <a:srcRect/>
           <a:stretch>
             <a:fillRect/>
           </a:stretch>
         </p:blipFill>
         <p:spPr>
           <a:xfrm>
-            <a:off x="1562100" y="3733800"/>
-            <a:ext cx="9067800" cy="2362200"/>
+            <a:off x="1981200" y="3657600"/>
+            <a:ext cx="8229600" cy="2970371"/>
           </a:xfrm>
           <a:prstGeom prst="rect">
             <a:avLst/>
@@ -4265,7 +4363,7 @@
 </p:sld>
 </file>
 
-<file path=ppt/slides/slide13.xml><?xml version="1.0" encoding="utf-8"?>
+<file path=ppt/slides/slide14.xml><?xml version="1.0" encoding="utf-8"?>
 <p:sld xmlns:a="http://schemas.openxmlformats.org/drawingml/2006/main" xmlns:r="http://schemas.openxmlformats.org/officeDocument/2006/relationships" xmlns:p="http://schemas.openxmlformats.org/presentationml/2006/main">
   <p:cSld>
     <p:spTree>
@@ -4555,7 +4653,7 @@
 </p:sld>
 </file>
 
-<file path=ppt/slides/slide14.xml><?xml version="1.0" encoding="utf-8"?>
+<file path=ppt/slides/slide15.xml><?xml version="1.0" encoding="utf-8"?>
 <p:sld xmlns:a="http://schemas.openxmlformats.org/drawingml/2006/main" xmlns:r="http://schemas.openxmlformats.org/officeDocument/2006/relationships" xmlns:p="http://schemas.openxmlformats.org/presentationml/2006/main">
   <p:cSld>
     <p:spTree>
@@ -4638,7 +4736,7 @@
 </p:sld>
 </file>
 
-<file path=ppt/slides/slide15.xml><?xml version="1.0" encoding="utf-8"?>
+<file path=ppt/slides/slide16.xml><?xml version="1.0" encoding="utf-8"?>
 <p:sld xmlns:a="http://schemas.openxmlformats.org/drawingml/2006/main" xmlns:r="http://schemas.openxmlformats.org/officeDocument/2006/relationships" xmlns:p="http://schemas.openxmlformats.org/presentationml/2006/main">
   <p:cSld>
     <p:spTree>
@@ -4718,7 +4816,7 @@
         <p:spPr>
           <a:xfrm>
             <a:off x="7132320" y="1801368"/>
-            <a:ext cx="4471416" cy="2862322"/>
+            <a:ext cx="4471416" cy="2585323"/>
           </a:xfrm>
           <a:prstGeom prst="rect">
             <a:avLst/>
@@ -4742,7 +4840,7 @@
           <a:p>
             <a:r>
               <a:rPr lang="en-US" dirty="0"/>
-              <a:t>While now clear indication of causation / correlation, it does imply that remote workers and those self-employed tend to either be less predisposed to counseling or less in need of counseling</a:t>
+              <a:t>While no clear indication of causation / correlation, it does imply that remote workers and those self-employed tend to either be less predisposed to counseling or less in need of counseling</a:t>
             </a:r>
           </a:p>
         </p:txBody>
@@ -4751,160 +4849,6 @@
     <p:extLst>
       <p:ext uri="{BB962C8B-B14F-4D97-AF65-F5344CB8AC3E}">
         <p14:creationId xmlns:p14="http://schemas.microsoft.com/office/powerpoint/2010/main" val="366416687"/>
-      </p:ext>
-    </p:extLst>
-  </p:cSld>
-  <p:clrMapOvr>
-    <a:masterClrMapping/>
-  </p:clrMapOvr>
-</p:sld>
-</file>
-
-<file path=ppt/slides/slide16.xml><?xml version="1.0" encoding="utf-8"?>
-<p:sld xmlns:a="http://schemas.openxmlformats.org/drawingml/2006/main" xmlns:r="http://schemas.openxmlformats.org/officeDocument/2006/relationships" xmlns:p="http://schemas.openxmlformats.org/presentationml/2006/main">
-  <p:cSld>
-    <p:spTree>
-      <p:nvGrpSpPr>
-        <p:cNvPr id="1" name=""/>
-        <p:cNvGrpSpPr/>
-        <p:nvPr/>
-      </p:nvGrpSpPr>
-      <p:grpSpPr>
-        <a:xfrm>
-          <a:off x="0" y="0"/>
-          <a:ext cx="0" cy="0"/>
-          <a:chOff x="0" y="0"/>
-          <a:chExt cx="0" cy="0"/>
-        </a:xfrm>
-      </p:grpSpPr>
-      <p:pic>
-        <p:nvPicPr>
-          <p:cNvPr id="5" name="Content Placeholder 4" descr="A graph with a line going up&#10;&#10;Description automatically generated">
-            <a:extLst>
-              <a:ext uri="{FF2B5EF4-FFF2-40B4-BE49-F238E27FC236}">
-                <a16:creationId xmlns:a16="http://schemas.microsoft.com/office/drawing/2014/main" id="{4786E1D6-DAF9-5DC2-8303-B55B8AAA2010}"/>
-              </a:ext>
-            </a:extLst>
-          </p:cNvPr>
-          <p:cNvPicPr>
-            <a:picLocks noGrp="1" noChangeAspect="1"/>
-          </p:cNvPicPr>
-          <p:nvPr>
-            <p:ph idx="1"/>
-          </p:nvPr>
-        </p:nvPicPr>
-        <p:blipFill>
-          <a:blip r:embed="rId2">
-            <a:extLst>
-              <a:ext uri="{28A0092B-C50C-407E-A947-70E740481C1C}">
-                <a14:useLocalDpi xmlns:a14="http://schemas.microsoft.com/office/drawing/2010/main" val="0"/>
-              </a:ext>
-            </a:extLst>
-          </a:blip>
-          <a:stretch>
-            <a:fillRect/>
-          </a:stretch>
-        </p:blipFill>
-        <p:spPr>
-          <a:xfrm>
-            <a:off x="449201" y="604197"/>
-            <a:ext cx="7557804" cy="3086043"/>
-          </a:xfrm>
-        </p:spPr>
-      </p:pic>
-      <p:pic>
-        <p:nvPicPr>
-          <p:cNvPr id="8" name="Picture 7" descr="A blue and orange pie chart&#10;&#10;Description automatically generated">
-            <a:extLst>
-              <a:ext uri="{FF2B5EF4-FFF2-40B4-BE49-F238E27FC236}">
-                <a16:creationId xmlns:a16="http://schemas.microsoft.com/office/drawing/2014/main" id="{4FE569EA-FB40-D601-AB67-D63D82D604B0}"/>
-              </a:ext>
-            </a:extLst>
-          </p:cNvPr>
-          <p:cNvPicPr>
-            <a:picLocks noChangeAspect="1"/>
-          </p:cNvPicPr>
-          <p:nvPr/>
-        </p:nvPicPr>
-        <p:blipFill>
-          <a:blip r:embed="rId3">
-            <a:extLst>
-              <a:ext uri="{28A0092B-C50C-407E-A947-70E740481C1C}">
-                <a14:useLocalDpi xmlns:a14="http://schemas.microsoft.com/office/drawing/2010/main" val="0"/>
-              </a:ext>
-            </a:extLst>
-          </a:blip>
-          <a:stretch>
-            <a:fillRect/>
-          </a:stretch>
-        </p:blipFill>
-        <p:spPr>
-          <a:xfrm>
-            <a:off x="1219200" y="4114800"/>
-            <a:ext cx="5890640" cy="2169681"/>
-          </a:xfrm>
-          <a:prstGeom prst="rect">
-            <a:avLst/>
-          </a:prstGeom>
-        </p:spPr>
-      </p:pic>
-      <p:sp>
-        <p:nvSpPr>
-          <p:cNvPr id="10" name="TextBox 9">
-            <a:extLst>
-              <a:ext uri="{FF2B5EF4-FFF2-40B4-BE49-F238E27FC236}">
-                <a16:creationId xmlns:a16="http://schemas.microsoft.com/office/drawing/2014/main" id="{17B5EB12-3916-CC7E-77B5-1BD4782F4F1F}"/>
-              </a:ext>
-            </a:extLst>
-          </p:cNvPr>
-          <p:cNvSpPr txBox="1"/>
-          <p:nvPr/>
-        </p:nvSpPr>
-        <p:spPr>
-          <a:xfrm>
-            <a:off x="8394192" y="140855"/>
-            <a:ext cx="3348607" cy="5416868"/>
-          </a:xfrm>
-          <a:prstGeom prst="rect">
-            <a:avLst/>
-          </a:prstGeom>
-          <a:noFill/>
-        </p:spPr>
-        <p:txBody>
-          <a:bodyPr wrap="square" rtlCol="0">
-            <a:spAutoFit/>
-          </a:bodyPr>
-          <a:lstStyle/>
-          <a:p>
-            <a:r>
-              <a:rPr lang="en-US" b="1" i="1" dirty="0"/>
-              <a:t>What is the relationship between age and gender when seeking treatment?</a:t>
-            </a:r>
-          </a:p>
-          <a:p>
-            <a:endParaRPr lang="en-US" b="1" i="1" dirty="0"/>
-          </a:p>
-          <a:p>
-            <a:r>
-              <a:rPr lang="en-US" sz="1600" dirty="0"/>
-              <a:t>We don't see much differences between the age groups. Majority of individuals experiencing mental health issues fall within the age range of 25 to 35. They are all around 46-60 percents of seeking help so it can be stated ages between 34 to 47 tend to seek help a bit more than others but it's not so distinguished.</a:t>
-            </a:r>
-          </a:p>
-          <a:p>
-            <a:endParaRPr lang="en-US" b="1" i="1" dirty="0"/>
-          </a:p>
-          <a:p>
-            <a:r>
-              <a:rPr lang="en-US" sz="1600" dirty="0"/>
-              <a:t>Those identifying as Trans and Females exhibit a higher tendency to seek treatment for mental health issues in comparison to Males.</a:t>
-            </a:r>
-          </a:p>
-        </p:txBody>
-      </p:sp>
-    </p:spTree>
-    <p:extLst>
-      <p:ext uri="{BB962C8B-B14F-4D97-AF65-F5344CB8AC3E}">
-        <p14:creationId xmlns:p14="http://schemas.microsoft.com/office/powerpoint/2010/main" val="3218522574"/>
       </p:ext>
     </p:extLst>
   </p:cSld>
@@ -5243,7 +5187,7 @@
         <p:spPr/>
         <p:txBody>
           <a:bodyPr>
-            <a:normAutofit/>
+            <a:normAutofit fontScale="92500" lnSpcReduction="10000"/>
           </a:bodyPr>
           <a:lstStyle/>
           <a:p>
@@ -5293,18 +5237,22 @@
             <a:pPr lvl="1"/>
             <a:r>
               <a:rPr lang="en-US" dirty="0"/>
+              <a:t>What data values have the most variance in terms in terms of responses?</a:t>
+            </a:r>
+          </a:p>
+          <a:p>
+            <a:pPr lvl="1"/>
+            <a:r>
+              <a:rPr lang="en-US" dirty="0"/>
+              <a:t>Are companies that offer mental health support more or less likely to support freedom to talk about health issues?</a:t>
+            </a:r>
+          </a:p>
+          <a:p>
+            <a:pPr lvl="1"/>
+            <a:r>
+              <a:rPr lang="en-US" dirty="0"/>
               <a:t>Does the percentage of respondents in treatment vary by total population, remote workers and self-employed?</a:t>
             </a:r>
-          </a:p>
-          <a:p>
-            <a:pPr lvl="1"/>
-            <a:r>
-              <a:rPr lang="en-US" dirty="0"/>
-              <a:t>What is the relationship between age and gender when seeking treatment?</a:t>
-            </a:r>
-          </a:p>
-          <a:p>
-            <a:endParaRPr lang="en-US" dirty="0"/>
           </a:p>
         </p:txBody>
       </p:sp>
@@ -5499,21 +5447,6 @@
             </a:r>
           </a:p>
           <a:p>
-            <a:pPr lvl="1"/>
-            <a:r>
-              <a:rPr lang="en-US" dirty="0"/>
-              <a:t>Using </a:t>
-            </a:r>
-            <a:r>
-              <a:rPr lang="en-US" dirty="0" err="1"/>
-              <a:t>pd.get.dummies</a:t>
-            </a:r>
-            <a:r>
-              <a:rPr lang="en-US" dirty="0"/>
-              <a:t> for “gender” column</a:t>
-            </a:r>
-          </a:p>
-          <a:p>
             <a:r>
               <a:rPr lang="en-US" dirty="0"/>
               <a:t>Processed columns stored in “</a:t>
@@ -5535,27 +5468,35 @@
       </p:sp>
       <p:pic>
         <p:nvPicPr>
-          <p:cNvPr id="4" name="image7.png">
+          <p:cNvPr id="1026" name="Picture 2">
             <a:extLst>
               <a:ext uri="{FF2B5EF4-FFF2-40B4-BE49-F238E27FC236}">
-                <a16:creationId xmlns:a16="http://schemas.microsoft.com/office/drawing/2014/main" id="{27BE8661-C4A7-24A2-123F-106BEA1052F5}"/>
+                <a16:creationId xmlns:a16="http://schemas.microsoft.com/office/drawing/2014/main" id="{BE2C0A75-0E1A-0DF2-CA76-40D894544ED6}"/>
               </a:ext>
             </a:extLst>
           </p:cNvPr>
-          <p:cNvPicPr/>
+          <p:cNvPicPr>
+            <a:picLocks noChangeAspect="1" noChangeArrowheads="1"/>
+          </p:cNvPicPr>
           <p:nvPr/>
         </p:nvPicPr>
         <p:blipFill>
-          <a:blip r:embed="rId2"/>
+          <a:blip r:embed="rId2" cstate="print">
+            <a:extLst>
+              <a:ext uri="{28A0092B-C50C-407E-A947-70E740481C1C}">
+                <a14:useLocalDpi xmlns:a14="http://schemas.microsoft.com/office/drawing/2010/main" val="0"/>
+              </a:ext>
+            </a:extLst>
+          </a:blip>
           <a:srcRect/>
           <a:stretch>
             <a:fillRect/>
           </a:stretch>
         </p:blipFill>
-        <p:spPr>
+        <p:spPr bwMode="auto">
           <a:xfrm>
-            <a:off x="5715000" y="1981201"/>
-            <a:ext cx="5943600" cy="1651000"/>
+            <a:off x="6858000" y="1640205"/>
+            <a:ext cx="4724400" cy="3048000"/>
           </a:xfrm>
           <a:prstGeom prst="rect">
             <a:avLst/>
@@ -5590,90 +5531,41 @@
               <a:srgbClr val="FFFFFF"/>
             </a:contourClr>
           </a:sp3d>
+          <a:extLst>
+            <a:ext uri="{909E8E84-426E-40DD-AFC4-6F175D3DCCD1}">
+              <a14:hiddenFill xmlns:a14="http://schemas.microsoft.com/office/drawing/2010/main">
+                <a:solidFill>
+                  <a:srgbClr val="FFFFFF"/>
+                </a:solidFill>
+              </a14:hiddenFill>
+            </a:ext>
+          </a:extLst>
         </p:spPr>
       </p:pic>
       <p:pic>
         <p:nvPicPr>
-          <p:cNvPr id="5" name="image5.png">
+          <p:cNvPr id="7" name="Picture 6">
             <a:extLst>
               <a:ext uri="{FF2B5EF4-FFF2-40B4-BE49-F238E27FC236}">
-                <a16:creationId xmlns:a16="http://schemas.microsoft.com/office/drawing/2014/main" id="{6585C5FA-B264-B904-5DAA-AF19642695E1}"/>
+                <a16:creationId xmlns:a16="http://schemas.microsoft.com/office/drawing/2014/main" id="{C03A20DF-DD17-FF05-35D4-8A3527AA4DB6}"/>
               </a:ext>
             </a:extLst>
           </p:cNvPr>
-          <p:cNvPicPr/>
+          <p:cNvPicPr>
+            <a:picLocks noChangeAspect="1"/>
+          </p:cNvPicPr>
           <p:nvPr/>
         </p:nvPicPr>
         <p:blipFill>
           <a:blip r:embed="rId3"/>
-          <a:srcRect/>
           <a:stretch>
             <a:fillRect/>
           </a:stretch>
         </p:blipFill>
         <p:spPr>
           <a:xfrm>
-            <a:off x="5724525" y="3962401"/>
-            <a:ext cx="5943600" cy="749300"/>
-          </a:xfrm>
-          <a:prstGeom prst="rect">
-            <a:avLst/>
-          </a:prstGeom>
-          <a:solidFill>
-            <a:srgbClr val="FFFFFF">
-              <a:shade val="85000"/>
-            </a:srgbClr>
-          </a:solidFill>
-          <a:ln w="88900" cap="sq">
-            <a:solidFill>
-              <a:srgbClr val="FFFFFF"/>
-            </a:solidFill>
-            <a:miter lim="800000"/>
-          </a:ln>
-          <a:effectLst>
-            <a:outerShdw blurRad="55000" dist="18000" dir="5400000" algn="tl" rotWithShape="0">
-              <a:srgbClr val="000000">
-                <a:alpha val="40000"/>
-              </a:srgbClr>
-            </a:outerShdw>
-          </a:effectLst>
-          <a:scene3d>
-            <a:camera prst="orthographicFront"/>
-            <a:lightRig rig="twoPt" dir="t">
-              <a:rot lat="0" lon="0" rev="7200000"/>
-            </a:lightRig>
-          </a:scene3d>
-          <a:sp3d>
-            <a:bevelT w="25400" h="19050"/>
-            <a:contourClr>
-              <a:srgbClr val="FFFFFF"/>
-            </a:contourClr>
-          </a:sp3d>
-        </p:spPr>
-      </p:pic>
-      <p:pic>
-        <p:nvPicPr>
-          <p:cNvPr id="6" name="image11.png">
-            <a:extLst>
-              <a:ext uri="{FF2B5EF4-FFF2-40B4-BE49-F238E27FC236}">
-                <a16:creationId xmlns:a16="http://schemas.microsoft.com/office/drawing/2014/main" id="{A1F58233-AE50-3AEB-B801-FB14A98CB926}"/>
-              </a:ext>
-            </a:extLst>
-          </p:cNvPr>
-          <p:cNvPicPr/>
-          <p:nvPr/>
-        </p:nvPicPr>
-        <p:blipFill>
-          <a:blip r:embed="rId4"/>
-          <a:srcRect/>
-          <a:stretch>
-            <a:fillRect/>
-          </a:stretch>
-        </p:blipFill>
-        <p:spPr>
-          <a:xfrm>
-            <a:off x="5729287" y="5039520"/>
-            <a:ext cx="5943600" cy="1536700"/>
+            <a:off x="6857999" y="4982686"/>
+            <a:ext cx="4712243" cy="1722914"/>
           </a:xfrm>
           <a:prstGeom prst="rect">
             <a:avLst/>
@@ -5745,6 +5637,253 @@
           <p:cNvPr id="2" name="Title 1">
             <a:extLst>
               <a:ext uri="{FF2B5EF4-FFF2-40B4-BE49-F238E27FC236}">
+                <a16:creationId xmlns:a16="http://schemas.microsoft.com/office/drawing/2014/main" id="{ADC1C815-DF2E-7153-9178-87B3EFB1F9AF}"/>
+              </a:ext>
+            </a:extLst>
+          </p:cNvPr>
+          <p:cNvSpPr>
+            <a:spLocks noGrp="1"/>
+          </p:cNvSpPr>
+          <p:nvPr>
+            <p:ph type="title"/>
+          </p:nvPr>
+        </p:nvSpPr>
+        <p:spPr/>
+        <p:txBody>
+          <a:bodyPr/>
+          <a:lstStyle/>
+          <a:p>
+            <a:r>
+              <a:rPr lang="en-US" dirty="0"/>
+              <a:t>Special Case for handling Gender responses</a:t>
+            </a:r>
+          </a:p>
+        </p:txBody>
+      </p:sp>
+      <p:sp>
+        <p:nvSpPr>
+          <p:cNvPr id="3" name="Content Placeholder 2">
+            <a:extLst>
+              <a:ext uri="{FF2B5EF4-FFF2-40B4-BE49-F238E27FC236}">
+                <a16:creationId xmlns:a16="http://schemas.microsoft.com/office/drawing/2014/main" id="{CDE03C07-D18B-FAF0-3A16-11F797298C2E}"/>
+              </a:ext>
+            </a:extLst>
+          </p:cNvPr>
+          <p:cNvSpPr>
+            <a:spLocks noGrp="1"/>
+          </p:cNvSpPr>
+          <p:nvPr>
+            <p:ph idx="1"/>
+          </p:nvPr>
+        </p:nvSpPr>
+        <p:spPr>
+          <a:xfrm>
+            <a:off x="1524000" y="1828800"/>
+            <a:ext cx="3048000" cy="4267200"/>
+          </a:xfrm>
+        </p:spPr>
+        <p:txBody>
+          <a:bodyPr/>
+          <a:lstStyle/>
+          <a:p>
+            <a:r>
+              <a:rPr lang="en-US" dirty="0"/>
+              <a:t>Using </a:t>
+            </a:r>
+            <a:r>
+              <a:rPr lang="en-US" dirty="0" err="1"/>
+              <a:t>pd.get.dummies</a:t>
+            </a:r>
+            <a:r>
+              <a:rPr lang="en-US" dirty="0"/>
+              <a:t> for “gender” column</a:t>
+            </a:r>
+          </a:p>
+          <a:p>
+            <a:r>
+              <a:rPr lang="en-US" dirty="0"/>
+              <a:t>Responses provided were unique relative to other data values</a:t>
+            </a:r>
+          </a:p>
+          <a:p>
+            <a:endParaRPr lang="en-US" dirty="0"/>
+          </a:p>
+          <a:p>
+            <a:endParaRPr lang="en-US" dirty="0"/>
+          </a:p>
+        </p:txBody>
+      </p:sp>
+      <p:pic>
+        <p:nvPicPr>
+          <p:cNvPr id="2050" name="Picture 2">
+            <a:extLst>
+              <a:ext uri="{FF2B5EF4-FFF2-40B4-BE49-F238E27FC236}">
+                <a16:creationId xmlns:a16="http://schemas.microsoft.com/office/drawing/2014/main" id="{68421482-EAF5-6D51-74C0-1628684948CE}"/>
+              </a:ext>
+            </a:extLst>
+          </p:cNvPr>
+          <p:cNvPicPr>
+            <a:picLocks noChangeAspect="1" noChangeArrowheads="1"/>
+          </p:cNvPicPr>
+          <p:nvPr/>
+        </p:nvPicPr>
+        <p:blipFill>
+          <a:blip r:embed="rId2">
+            <a:extLst>
+              <a:ext uri="{28A0092B-C50C-407E-A947-70E740481C1C}">
+                <a14:useLocalDpi xmlns:a14="http://schemas.microsoft.com/office/drawing/2010/main" val="0"/>
+              </a:ext>
+            </a:extLst>
+          </a:blip>
+          <a:srcRect/>
+          <a:stretch>
+            <a:fillRect/>
+          </a:stretch>
+        </p:blipFill>
+        <p:spPr bwMode="auto">
+          <a:xfrm>
+            <a:off x="5257798" y="1828799"/>
+            <a:ext cx="6766560" cy="1299950"/>
+          </a:xfrm>
+          <a:prstGeom prst="rect">
+            <a:avLst/>
+          </a:prstGeom>
+          <a:solidFill>
+            <a:srgbClr val="FFFFFF">
+              <a:shade val="85000"/>
+            </a:srgbClr>
+          </a:solidFill>
+          <a:ln w="88900" cap="sq">
+            <a:solidFill>
+              <a:srgbClr val="FFFFFF"/>
+            </a:solidFill>
+            <a:miter lim="800000"/>
+          </a:ln>
+          <a:effectLst>
+            <a:outerShdw blurRad="55000" dist="18000" dir="5400000" algn="tl" rotWithShape="0">
+              <a:srgbClr val="000000">
+                <a:alpha val="40000"/>
+              </a:srgbClr>
+            </a:outerShdw>
+          </a:effectLst>
+          <a:scene3d>
+            <a:camera prst="orthographicFront"/>
+            <a:lightRig rig="twoPt" dir="t">
+              <a:rot lat="0" lon="0" rev="7200000"/>
+            </a:lightRig>
+          </a:scene3d>
+          <a:sp3d>
+            <a:bevelT w="25400" h="19050"/>
+            <a:contourClr>
+              <a:srgbClr val="FFFFFF"/>
+            </a:contourClr>
+          </a:sp3d>
+          <a:extLst>
+            <a:ext uri="{909E8E84-426E-40DD-AFC4-6F175D3DCCD1}">
+              <a14:hiddenFill xmlns:a14="http://schemas.microsoft.com/office/drawing/2010/main">
+                <a:solidFill>
+                  <a:srgbClr val="FFFFFF"/>
+                </a:solidFill>
+              </a14:hiddenFill>
+            </a:ext>
+          </a:extLst>
+        </p:spPr>
+      </p:pic>
+      <p:pic>
+        <p:nvPicPr>
+          <p:cNvPr id="4" name="Picture 3">
+            <a:extLst>
+              <a:ext uri="{FF2B5EF4-FFF2-40B4-BE49-F238E27FC236}">
+                <a16:creationId xmlns:a16="http://schemas.microsoft.com/office/drawing/2014/main" id="{CD03CAED-7864-0E24-FF0C-9896A6263D6C}"/>
+              </a:ext>
+            </a:extLst>
+          </p:cNvPr>
+          <p:cNvPicPr>
+            <a:picLocks noChangeAspect="1"/>
+          </p:cNvPicPr>
+          <p:nvPr/>
+        </p:nvPicPr>
+        <p:blipFill>
+          <a:blip r:embed="rId3"/>
+          <a:stretch>
+            <a:fillRect/>
+          </a:stretch>
+        </p:blipFill>
+        <p:spPr>
+          <a:xfrm>
+            <a:off x="5257799" y="3452811"/>
+            <a:ext cx="6766560" cy="865756"/>
+          </a:xfrm>
+          <a:prstGeom prst="rect">
+            <a:avLst/>
+          </a:prstGeom>
+          <a:solidFill>
+            <a:srgbClr val="FFFFFF">
+              <a:shade val="85000"/>
+            </a:srgbClr>
+          </a:solidFill>
+          <a:ln w="88900" cap="sq">
+            <a:solidFill>
+              <a:srgbClr val="FFFFFF"/>
+            </a:solidFill>
+            <a:miter lim="800000"/>
+          </a:ln>
+          <a:effectLst>
+            <a:outerShdw blurRad="55000" dist="18000" dir="5400000" algn="tl" rotWithShape="0">
+              <a:srgbClr val="000000">
+                <a:alpha val="40000"/>
+              </a:srgbClr>
+            </a:outerShdw>
+          </a:effectLst>
+          <a:scene3d>
+            <a:camera prst="orthographicFront"/>
+            <a:lightRig rig="twoPt" dir="t">
+              <a:rot lat="0" lon="0" rev="7200000"/>
+            </a:lightRig>
+          </a:scene3d>
+          <a:sp3d>
+            <a:bevelT w="25400" h="19050"/>
+            <a:contourClr>
+              <a:srgbClr val="FFFFFF"/>
+            </a:contourClr>
+          </a:sp3d>
+        </p:spPr>
+      </p:pic>
+    </p:spTree>
+    <p:extLst>
+      <p:ext uri="{BB962C8B-B14F-4D97-AF65-F5344CB8AC3E}">
+        <p14:creationId xmlns:p14="http://schemas.microsoft.com/office/powerpoint/2010/main" val="1738438728"/>
+      </p:ext>
+    </p:extLst>
+  </p:cSld>
+  <p:clrMapOvr>
+    <a:masterClrMapping/>
+  </p:clrMapOvr>
+</p:sld>
+</file>
+
+<file path=ppt/slides/slide6.xml><?xml version="1.0" encoding="utf-8"?>
+<p:sld xmlns:a="http://schemas.openxmlformats.org/drawingml/2006/main" xmlns:r="http://schemas.openxmlformats.org/officeDocument/2006/relationships" xmlns:p="http://schemas.openxmlformats.org/presentationml/2006/main">
+  <p:cSld>
+    <p:spTree>
+      <p:nvGrpSpPr>
+        <p:cNvPr id="1" name=""/>
+        <p:cNvGrpSpPr/>
+        <p:nvPr/>
+      </p:nvGrpSpPr>
+      <p:grpSpPr>
+        <a:xfrm>
+          <a:off x="0" y="0"/>
+          <a:ext cx="0" cy="0"/>
+          <a:chOff x="0" y="0"/>
+          <a:chExt cx="0" cy="0"/>
+        </a:xfrm>
+      </p:grpSpPr>
+      <p:sp>
+        <p:nvSpPr>
+          <p:cNvPr id="2" name="Title 1">
+            <a:extLst>
+              <a:ext uri="{FF2B5EF4-FFF2-40B4-BE49-F238E27FC236}">
                 <a16:creationId xmlns:a16="http://schemas.microsoft.com/office/drawing/2014/main" id="{207CDEC4-AD34-50BA-84EB-EBD20F3B5D7B}"/>
               </a:ext>
             </a:extLst>
@@ -5857,7 +5996,7 @@
 </p:sld>
 </file>
 
-<file path=ppt/slides/slide6.xml><?xml version="1.0" encoding="utf-8"?>
+<file path=ppt/slides/slide7.xml><?xml version="1.0" encoding="utf-8"?>
 <p:sld xmlns:a="http://schemas.openxmlformats.org/drawingml/2006/main" xmlns:r="http://schemas.openxmlformats.org/officeDocument/2006/relationships" xmlns:p="http://schemas.openxmlformats.org/presentationml/2006/main">
   <p:cSld>
     <p:spTree>
@@ -6027,7 +6166,7 @@
 </p:sld>
 </file>
 
-<file path=ppt/slides/slide7.xml><?xml version="1.0" encoding="utf-8"?>
+<file path=ppt/slides/slide8.xml><?xml version="1.0" encoding="utf-8"?>
 <p:sld xmlns:a="http://schemas.openxmlformats.org/drawingml/2006/main" xmlns:r="http://schemas.openxmlformats.org/officeDocument/2006/relationships" xmlns:p="http://schemas.openxmlformats.org/presentationml/2006/main">
   <p:cSld>
     <p:spTree>
@@ -6186,7 +6325,7 @@
 </p:sld>
 </file>
 
-<file path=ppt/slides/slide8.xml><?xml version="1.0" encoding="utf-8"?>
+<file path=ppt/slides/slide9.xml><?xml version="1.0" encoding="utf-8"?>
 <p:sld xmlns:a="http://schemas.openxmlformats.org/drawingml/2006/main" xmlns:r="http://schemas.openxmlformats.org/officeDocument/2006/relationships" xmlns:p="http://schemas.openxmlformats.org/presentationml/2006/main">
   <p:cSld>
     <p:spTree>
@@ -6228,7 +6367,7 @@
           <a:p>
             <a:r>
               <a:rPr lang="en-US" dirty="0"/>
-              <a:t>Assessing positive correlation between employers, coworkers/supervisors, and mental health</a:t>
+              <a:t>Assessing strong correlation between employers, coworkers/supervisors, and mental health</a:t>
             </a:r>
           </a:p>
         </p:txBody>
@@ -6350,89 +6489,6 @@
     <p:extLst>
       <p:ext uri="{BB962C8B-B14F-4D97-AF65-F5344CB8AC3E}">
         <p14:creationId xmlns:p14="http://schemas.microsoft.com/office/powerpoint/2010/main" val="3097257611"/>
-      </p:ext>
-    </p:extLst>
-  </p:cSld>
-  <p:clrMapOvr>
-    <a:masterClrMapping/>
-  </p:clrMapOvr>
-</p:sld>
-</file>
-
-<file path=ppt/slides/slide9.xml><?xml version="1.0" encoding="utf-8"?>
-<p:sld xmlns:a="http://schemas.openxmlformats.org/drawingml/2006/main" xmlns:r="http://schemas.openxmlformats.org/officeDocument/2006/relationships" xmlns:p="http://schemas.openxmlformats.org/presentationml/2006/main">
-  <p:cSld>
-    <p:spTree>
-      <p:nvGrpSpPr>
-        <p:cNvPr id="1" name=""/>
-        <p:cNvGrpSpPr/>
-        <p:nvPr/>
-      </p:nvGrpSpPr>
-      <p:grpSpPr>
-        <a:xfrm>
-          <a:off x="0" y="0"/>
-          <a:ext cx="0" cy="0"/>
-          <a:chOff x="0" y="0"/>
-          <a:chExt cx="0" cy="0"/>
-        </a:xfrm>
-      </p:grpSpPr>
-      <p:sp>
-        <p:nvSpPr>
-          <p:cNvPr id="4" name="Title 3">
-            <a:extLst>
-              <a:ext uri="{FF2B5EF4-FFF2-40B4-BE49-F238E27FC236}">
-                <a16:creationId xmlns:a16="http://schemas.microsoft.com/office/drawing/2014/main" id="{EB2E5B1C-2DF5-4EC3-467F-D31FD3A652F6}"/>
-              </a:ext>
-            </a:extLst>
-          </p:cNvPr>
-          <p:cNvSpPr>
-            <a:spLocks noGrp="1"/>
-          </p:cNvSpPr>
-          <p:nvPr>
-            <p:ph type="title"/>
-          </p:nvPr>
-        </p:nvSpPr>
-        <p:spPr/>
-        <p:txBody>
-          <a:bodyPr/>
-          <a:lstStyle/>
-          <a:p>
-            <a:r>
-              <a:rPr lang="en-US" dirty="0"/>
-              <a:t>Analyzing Correlation Patters</a:t>
-            </a:r>
-          </a:p>
-        </p:txBody>
-      </p:sp>
-      <p:sp>
-        <p:nvSpPr>
-          <p:cNvPr id="5" name="Text Placeholder 4">
-            <a:extLst>
-              <a:ext uri="{FF2B5EF4-FFF2-40B4-BE49-F238E27FC236}">
-                <a16:creationId xmlns:a16="http://schemas.microsoft.com/office/drawing/2014/main" id="{D067CEF6-5529-EFCD-0B54-EB0D4D647FEF}"/>
-              </a:ext>
-            </a:extLst>
-          </p:cNvPr>
-          <p:cNvSpPr>
-            <a:spLocks noGrp="1"/>
-          </p:cNvSpPr>
-          <p:nvPr>
-            <p:ph type="body" idx="1"/>
-          </p:nvPr>
-        </p:nvSpPr>
-        <p:spPr/>
-        <p:txBody>
-          <a:bodyPr/>
-          <a:lstStyle/>
-          <a:p>
-            <a:endParaRPr lang="en-US"/>
-          </a:p>
-        </p:txBody>
-      </p:sp>
-    </p:spTree>
-    <p:extLst>
-      <p:ext uri="{BB962C8B-B14F-4D97-AF65-F5344CB8AC3E}">
-        <p14:creationId xmlns:p14="http://schemas.microsoft.com/office/powerpoint/2010/main" val="650814972"/>
       </p:ext>
     </p:extLst>
   </p:cSld>

--- a/Project 1 UNC AI Bootcamp.pptx
+++ b/Project 1 UNC AI Bootcamp.pptx
@@ -3948,7 +3948,7 @@
           <a:p>
             <a:r>
               <a:rPr lang="en-US" dirty="0"/>
-              <a:t>Investigating absolute value of correlation (both positive and negative)</a:t>
+              <a:t>Investigating absolute value of correlation data points (both positive and negative)</a:t>
             </a:r>
           </a:p>
         </p:txBody>
@@ -3978,7 +3978,7 @@
           <a:p>
             <a:r>
               <a:rPr lang="en-US" dirty="0"/>
-              <a:t>Determine total correlation for each column</a:t>
+              <a:t>Determine total variance for each column</a:t>
             </a:r>
           </a:p>
           <a:p>
@@ -4125,14 +4125,21 @@
             <a:pPr lvl="1"/>
             <a:r>
               <a:rPr lang="en-US" sz="2000" dirty="0"/>
-              <a:t>Mental health consequences showed strong relationship with trust in employer. </a:t>
+              <a:t>Mental health consequences showed strong relationship with trust in employer</a:t>
             </a:r>
           </a:p>
           <a:p>
             <a:pPr lvl="1"/>
             <a:r>
               <a:rPr lang="en-US" sz="2000" dirty="0"/>
-              <a:t>This suggests that while trust in the employer might seem a minor aspect of mental health at work, it significantly impacts various related factors. The "leave“* column showed positive correlations with trust factors and negative correlations with distrust factors.</a:t>
+              <a:t>This suggests that while trust in the employer might seem a minor aspect of mental health at work, it significantly impacts various related factors </a:t>
+            </a:r>
+          </a:p>
+          <a:p>
+            <a:pPr lvl="1"/>
+            <a:r>
+              <a:rPr lang="en-US" sz="2000" dirty="0"/>
+              <a:t>The "leave“* column showed positive correlations with trust factors and negative correlations with distrust factors</a:t>
             </a:r>
           </a:p>
           <a:p>
@@ -4816,7 +4823,7 @@
         <p:spPr>
           <a:xfrm>
             <a:off x="7132320" y="1801368"/>
-            <a:ext cx="4471416" cy="2585323"/>
+            <a:ext cx="4471416" cy="3693319"/>
           </a:xfrm>
           <a:prstGeom prst="rect">
             <a:avLst/>
@@ -4841,6 +4848,15 @@
             <a:r>
               <a:rPr lang="en-US" dirty="0"/>
               <a:t>While no clear indication of causation / correlation, it does imply that remote workers and those self-employed tend to either be less predisposed to counseling or less in need of counseling</a:t>
+            </a:r>
+          </a:p>
+          <a:p>
+            <a:endParaRPr lang="en-US" dirty="0"/>
+          </a:p>
+          <a:p>
+            <a:r>
+              <a:rPr lang="en-US" dirty="0"/>
+              <a:t>And for self employed respondents, benefits may be an issue with a -31 correlation.</a:t>
             </a:r>
           </a:p>
         </p:txBody>
@@ -5531,15 +5547,6 @@
               <a:srgbClr val="FFFFFF"/>
             </a:contourClr>
           </a:sp3d>
-          <a:extLst>
-            <a:ext uri="{909E8E84-426E-40DD-AFC4-6F175D3DCCD1}">
-              <a14:hiddenFill xmlns:a14="http://schemas.microsoft.com/office/drawing/2010/main">
-                <a:solidFill>
-                  <a:srgbClr val="FFFFFF"/>
-                </a:solidFill>
-              </a14:hiddenFill>
-            </a:ext>
-          </a:extLst>
         </p:spPr>
       </p:pic>
       <p:pic>
@@ -5778,15 +5785,6 @@
               <a:srgbClr val="FFFFFF"/>
             </a:contourClr>
           </a:sp3d>
-          <a:extLst>
-            <a:ext uri="{909E8E84-426E-40DD-AFC4-6F175D3DCCD1}">
-              <a14:hiddenFill xmlns:a14="http://schemas.microsoft.com/office/drawing/2010/main">
-                <a:solidFill>
-                  <a:srgbClr val="FFFFFF"/>
-                </a:solidFill>
-              </a14:hiddenFill>
-            </a:ext>
-          </a:extLst>
         </p:spPr>
       </p:pic>
       <p:pic>
